--- a/pics/p3.pptx
+++ b/pics/p3.pptx
@@ -104,6 +104,11 @@
       </a:defRPr>
     </a:lvl9pPr>
   </p:defaultTextStyle>
+  <p:extLst>
+    <p:ext uri="{EFAFB233-063F-42B5-8137-9DF3F51BA10A}">
+      <p15:sldGuideLst xmlns:p15="http://schemas.microsoft.com/office/powerpoint/2012/main"/>
+    </p:ext>
+  </p:extLst>
 </p:presentation>
 </file>
 
@@ -238,7 +243,7 @@
           <a:p>
             <a:fld id="{15545052-92C4-044A-BA53-74D4B12D7BA6}" type="datetimeFigureOut">
               <a:rPr lang="en-US" smtClean="0"/>
-              <a:t>6/13/17</a:t>
+              <a:t>3/11/18</a:t>
             </a:fld>
             <a:endParaRPr lang="en-US"/>
           </a:p>
@@ -408,7 +413,7 @@
           <a:p>
             <a:fld id="{15545052-92C4-044A-BA53-74D4B12D7BA6}" type="datetimeFigureOut">
               <a:rPr lang="en-US" smtClean="0"/>
-              <a:t>6/13/17</a:t>
+              <a:t>3/11/18</a:t>
             </a:fld>
             <a:endParaRPr lang="en-US"/>
           </a:p>
@@ -588,7 +593,7 @@
           <a:p>
             <a:fld id="{15545052-92C4-044A-BA53-74D4B12D7BA6}" type="datetimeFigureOut">
               <a:rPr lang="en-US" smtClean="0"/>
-              <a:t>6/13/17</a:t>
+              <a:t>3/11/18</a:t>
             </a:fld>
             <a:endParaRPr lang="en-US"/>
           </a:p>
@@ -758,7 +763,7 @@
           <a:p>
             <a:fld id="{15545052-92C4-044A-BA53-74D4B12D7BA6}" type="datetimeFigureOut">
               <a:rPr lang="en-US" smtClean="0"/>
-              <a:t>6/13/17</a:t>
+              <a:t>3/11/18</a:t>
             </a:fld>
             <a:endParaRPr lang="en-US"/>
           </a:p>
@@ -1004,7 +1009,7 @@
           <a:p>
             <a:fld id="{15545052-92C4-044A-BA53-74D4B12D7BA6}" type="datetimeFigureOut">
               <a:rPr lang="en-US" smtClean="0"/>
-              <a:t>6/13/17</a:t>
+              <a:t>3/11/18</a:t>
             </a:fld>
             <a:endParaRPr lang="en-US"/>
           </a:p>
@@ -1236,7 +1241,7 @@
           <a:p>
             <a:fld id="{15545052-92C4-044A-BA53-74D4B12D7BA6}" type="datetimeFigureOut">
               <a:rPr lang="en-US" smtClean="0"/>
-              <a:t>6/13/17</a:t>
+              <a:t>3/11/18</a:t>
             </a:fld>
             <a:endParaRPr lang="en-US"/>
           </a:p>
@@ -1603,7 +1608,7 @@
           <a:p>
             <a:fld id="{15545052-92C4-044A-BA53-74D4B12D7BA6}" type="datetimeFigureOut">
               <a:rPr lang="en-US" smtClean="0"/>
-              <a:t>6/13/17</a:t>
+              <a:t>3/11/18</a:t>
             </a:fld>
             <a:endParaRPr lang="en-US"/>
           </a:p>
@@ -1721,7 +1726,7 @@
           <a:p>
             <a:fld id="{15545052-92C4-044A-BA53-74D4B12D7BA6}" type="datetimeFigureOut">
               <a:rPr lang="en-US" smtClean="0"/>
-              <a:t>6/13/17</a:t>
+              <a:t>3/11/18</a:t>
             </a:fld>
             <a:endParaRPr lang="en-US"/>
           </a:p>
@@ -1816,7 +1821,7 @@
           <a:p>
             <a:fld id="{15545052-92C4-044A-BA53-74D4B12D7BA6}" type="datetimeFigureOut">
               <a:rPr lang="en-US" smtClean="0"/>
-              <a:t>6/13/17</a:t>
+              <a:t>3/11/18</a:t>
             </a:fld>
             <a:endParaRPr lang="en-US"/>
           </a:p>
@@ -2093,7 +2098,7 @@
           <a:p>
             <a:fld id="{15545052-92C4-044A-BA53-74D4B12D7BA6}" type="datetimeFigureOut">
               <a:rPr lang="en-US" smtClean="0"/>
-              <a:t>6/13/17</a:t>
+              <a:t>3/11/18</a:t>
             </a:fld>
             <a:endParaRPr lang="en-US"/>
           </a:p>
@@ -2346,7 +2351,7 @@
           <a:p>
             <a:fld id="{15545052-92C4-044A-BA53-74D4B12D7BA6}" type="datetimeFigureOut">
               <a:rPr lang="en-US" smtClean="0"/>
-              <a:t>6/13/17</a:t>
+              <a:t>3/11/18</a:t>
             </a:fld>
             <a:endParaRPr lang="en-US"/>
           </a:p>
@@ -2559,7 +2564,7 @@
           <a:p>
             <a:fld id="{15545052-92C4-044A-BA53-74D4B12D7BA6}" type="datetimeFigureOut">
               <a:rPr lang="en-US" smtClean="0"/>
-              <a:t>6/13/17</a:t>
+              <a:t>3/11/18</a:t>
             </a:fld>
             <a:endParaRPr lang="en-US"/>
           </a:p>
@@ -2972,7 +2977,7 @@
         </p:nvSpPr>
         <p:spPr>
           <a:xfrm>
-            <a:off x="1619794" y="1528354"/>
+            <a:off x="2202890" y="1528351"/>
             <a:ext cx="1541417" cy="809897"/>
           </a:xfrm>
           <a:prstGeom prst="roundRect">
@@ -3041,7 +3046,7 @@
         </p:nvSpPr>
         <p:spPr>
           <a:xfrm>
-            <a:off x="3953692" y="1528353"/>
+            <a:off x="5371675" y="1528353"/>
             <a:ext cx="1410788" cy="809897"/>
           </a:xfrm>
           <a:prstGeom prst="roundRect">
@@ -3112,7 +3117,7 @@
             </p:nvSpPr>
             <p:spPr>
               <a:xfrm>
-                <a:off x="6156961" y="1528353"/>
+                <a:off x="7972510" y="1528352"/>
                 <a:ext cx="1410788" cy="809897"/>
               </a:xfrm>
               <a:prstGeom prst="roundRect">
@@ -3197,7 +3202,7 @@
             </p:nvSpPr>
             <p:spPr>
               <a:xfrm>
-                <a:off x="6156961" y="1528353"/>
+                <a:off x="7972510" y="1528352"/>
                 <a:ext cx="1410788" cy="809897"/>
               </a:xfrm>
               <a:prstGeom prst="roundRect">
@@ -3233,98 +3238,14 @@
         </p:nvSpPr>
         <p:spPr>
           <a:xfrm>
-            <a:off x="8647611" y="2908662"/>
+            <a:off x="5145252" y="3116529"/>
             <a:ext cx="1863634" cy="809897"/>
           </a:xfrm>
           <a:prstGeom prst="roundRect">
             <a:avLst/>
           </a:prstGeom>
           <a:solidFill>
-            <a:schemeClr val="bg2">
-              <a:lumMod val="75000"/>
-            </a:schemeClr>
-          </a:solidFill>
-        </p:spPr>
-        <p:style>
-          <a:lnRef idx="2">
-            <a:schemeClr val="accent1">
-              <a:shade val="50000"/>
-            </a:schemeClr>
-          </a:lnRef>
-          <a:fillRef idx="1">
-            <a:schemeClr val="accent1"/>
-          </a:fillRef>
-          <a:effectRef idx="0">
-            <a:schemeClr val="accent1"/>
-          </a:effectRef>
-          <a:fontRef idx="minor">
-            <a:schemeClr val="lt1"/>
-          </a:fontRef>
-        </p:style>
-        <p:txBody>
-          <a:bodyPr rtlCol="0" anchor="ctr"/>
-          <a:lstStyle/>
-          <a:p>
-            <a:pPr algn="ctr"/>
-            <a:r>
-              <a:rPr lang="en-US" altLang="zh-CN" dirty="0" smtClean="0">
-                <a:solidFill>
-                  <a:schemeClr val="tx1"/>
-                </a:solidFill>
-              </a:rPr>
-              <a:t>Stiffness</a:t>
-            </a:r>
-            <a:r>
-              <a:rPr lang="zh-CN" altLang="en-US" dirty="0" smtClean="0">
-                <a:solidFill>
-                  <a:schemeClr val="tx1"/>
-                </a:solidFill>
-              </a:rPr>
-              <a:t> </a:t>
-            </a:r>
-            <a:r>
-              <a:rPr lang="en-US" altLang="zh-CN" dirty="0" smtClean="0">
-                <a:solidFill>
-                  <a:schemeClr val="tx1"/>
-                </a:solidFill>
-              </a:rPr>
-              <a:t>Matrix</a:t>
-            </a:r>
-          </a:p>
-          <a:p>
-            <a:pPr algn="ctr"/>
-            <a:r>
-              <a:rPr lang="en-US" altLang="zh-CN" dirty="0">
-                <a:solidFill>
-                  <a:schemeClr val="tx1"/>
-                </a:solidFill>
-              </a:rPr>
-              <a:t>K</a:t>
-            </a:r>
-            <a:endParaRPr lang="en-US" dirty="0">
-              <a:solidFill>
-                <a:schemeClr val="tx1"/>
-              </a:solidFill>
-            </a:endParaRPr>
-          </a:p>
-        </p:txBody>
-      </p:sp>
-      <p:sp>
-        <p:nvSpPr>
-          <p:cNvPr id="8" name="Rounded Rectangle 7"/>
-          <p:cNvSpPr/>
-          <p:nvPr/>
-        </p:nvSpPr>
-        <p:spPr>
-          <a:xfrm>
-            <a:off x="5738192" y="4005941"/>
-            <a:ext cx="2177900" cy="722813"/>
-          </a:xfrm>
-          <a:prstGeom prst="roundRect">
-            <a:avLst/>
-          </a:prstGeom>
-          <a:solidFill>
-            <a:schemeClr val="accent4">
+            <a:schemeClr val="accent6">
               <a:lumMod val="40000"/>
               <a:lumOff val="60000"/>
             </a:schemeClr>
@@ -3357,23 +3278,87 @@
                   <a:schemeClr val="tx1"/>
                 </a:solidFill>
               </a:rPr>
-              <a:t>Boundary</a:t>
-            </a:r>
-            <a:r>
-              <a:rPr lang="zh-CN" altLang="en-US" dirty="0" smtClean="0">
-                <a:solidFill>
-                  <a:schemeClr val="tx1"/>
-                </a:solidFill>
-              </a:rPr>
-              <a:t> </a:t>
-            </a:r>
+              <a:t>Stiffness Matrix</a:t>
+            </a:r>
+          </a:p>
+          <a:p>
+            <a:pPr algn="ctr"/>
             <a:r>
               <a:rPr lang="en-US" altLang="zh-CN" dirty="0" smtClean="0">
                 <a:solidFill>
                   <a:schemeClr val="tx1"/>
                 </a:solidFill>
               </a:rPr>
-              <a:t>conditions</a:t>
+              <a:t>K</a:t>
+            </a:r>
+          </a:p>
+        </p:txBody>
+      </p:sp>
+      <p:sp>
+        <p:nvSpPr>
+          <p:cNvPr id="11" name="Rounded Rectangle 10"/>
+          <p:cNvSpPr/>
+          <p:nvPr/>
+        </p:nvSpPr>
+        <p:spPr>
+          <a:xfrm>
+            <a:off x="2634153" y="3708142"/>
+            <a:ext cx="1541417" cy="809897"/>
+          </a:xfrm>
+          <a:prstGeom prst="roundRect">
+            <a:avLst/>
+          </a:prstGeom>
+          <a:solidFill>
+            <a:schemeClr val="accent2">
+              <a:lumMod val="20000"/>
+              <a:lumOff val="80000"/>
+            </a:schemeClr>
+          </a:solidFill>
+        </p:spPr>
+        <p:style>
+          <a:lnRef idx="2">
+            <a:schemeClr val="accent1">
+              <a:shade val="50000"/>
+            </a:schemeClr>
+          </a:lnRef>
+          <a:fillRef idx="1">
+            <a:schemeClr val="accent1"/>
+          </a:fillRef>
+          <a:effectRef idx="0">
+            <a:schemeClr val="accent1"/>
+          </a:effectRef>
+          <a:fontRef idx="minor">
+            <a:schemeClr val="lt1"/>
+          </a:fontRef>
+        </p:style>
+        <p:txBody>
+          <a:bodyPr rtlCol="0" anchor="ctr"/>
+          <a:lstStyle/>
+          <a:p>
+            <a:pPr algn="ctr"/>
+            <a:r>
+              <a:rPr lang="en-US" altLang="zh-CN" dirty="0" smtClean="0">
+                <a:solidFill>
+                  <a:schemeClr val="tx1"/>
+                </a:solidFill>
+              </a:rPr>
+              <a:t>Loading force</a:t>
+            </a:r>
+            <a:endParaRPr lang="en-US" altLang="zh-CN" dirty="0" smtClean="0">
+              <a:solidFill>
+                <a:schemeClr val="tx1"/>
+              </a:solidFill>
+            </a:endParaRPr>
+          </a:p>
+          <a:p>
+            <a:pPr algn="ctr"/>
+            <a:r>
+              <a:rPr lang="en-US" altLang="zh-CN" dirty="0" smtClean="0">
+                <a:solidFill>
+                  <a:schemeClr val="tx1"/>
+                </a:solidFill>
+              </a:rPr>
+              <a:t>f</a:t>
             </a:r>
             <a:endParaRPr lang="en-US" dirty="0">
               <a:solidFill>
@@ -3383,9 +3368,212 @@
           </a:p>
         </p:txBody>
       </p:sp>
+      <mc:AlternateContent xmlns:mc="http://schemas.openxmlformats.org/markup-compatibility/2006">
+        <mc:Choice xmlns:a14="http://schemas.microsoft.com/office/drawing/2010/main" Requires="a14">
+          <p:sp>
+            <p:nvSpPr>
+              <p:cNvPr id="13" name="Rounded Rectangle 12"/>
+              <p:cNvSpPr/>
+              <p:nvPr/>
+            </p:nvSpPr>
+            <p:spPr>
+              <a:xfrm>
+                <a:off x="7912120" y="3708142"/>
+                <a:ext cx="1410788" cy="809897"/>
+              </a:xfrm>
+              <a:prstGeom prst="roundRect">
+                <a:avLst/>
+              </a:prstGeom>
+              <a:solidFill>
+                <a:schemeClr val="accent5">
+                  <a:lumMod val="20000"/>
+                  <a:lumOff val="80000"/>
+                </a:schemeClr>
+              </a:solidFill>
+            </p:spPr>
+            <p:style>
+              <a:lnRef idx="2">
+                <a:schemeClr val="accent1">
+                  <a:shade val="50000"/>
+                </a:schemeClr>
+              </a:lnRef>
+              <a:fillRef idx="1">
+                <a:schemeClr val="accent1"/>
+              </a:fillRef>
+              <a:effectRef idx="0">
+                <a:schemeClr val="accent1"/>
+              </a:effectRef>
+              <a:fontRef idx="minor">
+                <a:schemeClr val="lt1"/>
+              </a:fontRef>
+            </p:style>
+            <p:txBody>
+              <a:bodyPr rtlCol="0" anchor="ctr"/>
+              <a:lstStyle/>
+              <a:p>
+                <a:pPr algn="ctr"/>
+                <a:r>
+                  <a:rPr lang="en-US" altLang="zh-CN" dirty="0" smtClean="0">
+                    <a:solidFill>
+                      <a:schemeClr val="tx1"/>
+                    </a:solidFill>
+                  </a:rPr>
+                  <a:t>Boundary condition</a:t>
+                </a:r>
+                <a:endParaRPr lang="en-US" altLang="zh-CN" dirty="0" smtClean="0">
+                  <a:solidFill>
+                    <a:schemeClr val="tx1"/>
+                  </a:solidFill>
+                </a:endParaRPr>
+              </a:p>
+              <a:p>
+                <a:pPr algn="ctr"/>
+                <a14:m>
+                  <m:oMathPara xmlns:m="http://schemas.openxmlformats.org/officeDocument/2006/math">
+                    <m:oMathParaPr>
+                      <m:jc m:val="centerGroup"/>
+                    </m:oMathParaPr>
+                    <m:oMath xmlns:m="http://schemas.openxmlformats.org/officeDocument/2006/math">
+                      <m:acc>
+                        <m:accPr>
+                          <m:chr m:val="̂"/>
+                          <m:ctrlPr>
+                            <a:rPr lang="en-US" b="0" i="1" smtClean="0">
+                              <a:solidFill>
+                                <a:schemeClr val="tx1"/>
+                              </a:solidFill>
+                              <a:latin typeface="Cambria Math" charset="0"/>
+                              <a:ea typeface="Cambria Math" charset="0"/>
+                              <a:cs typeface="Cambria Math" charset="0"/>
+                            </a:rPr>
+                          </m:ctrlPr>
+                        </m:accPr>
+                        <m:e>
+                          <m:r>
+                            <a:rPr lang="en-US" b="0" i="1" smtClean="0">
+                              <a:solidFill>
+                                <a:schemeClr val="tx1"/>
+                              </a:solidFill>
+                              <a:latin typeface="Cambria Math" charset="0"/>
+                              <a:ea typeface="Cambria Math" charset="0"/>
+                              <a:cs typeface="Cambria Math" charset="0"/>
+                            </a:rPr>
+                            <m:t>𝑢</m:t>
+                          </m:r>
+                        </m:e>
+                      </m:acc>
+                    </m:oMath>
+                  </m:oMathPara>
+                </a14:m>
+                <a:endParaRPr lang="en-US" dirty="0">
+                  <a:solidFill>
+                    <a:schemeClr val="tx1"/>
+                  </a:solidFill>
+                </a:endParaRPr>
+              </a:p>
+            </p:txBody>
+          </p:sp>
+        </mc:Choice>
+        <mc:Fallback>
+          <p:sp>
+            <p:nvSpPr>
+              <p:cNvPr id="13" name="Rounded Rectangle 12"/>
+              <p:cNvSpPr>
+                <a:spLocks noRot="1" noChangeAspect="1" noMove="1" noResize="1" noEditPoints="1" noAdjustHandles="1" noChangeArrowheads="1" noChangeShapeType="1" noTextEdit="1"/>
+              </p:cNvSpPr>
+              <p:nvPr/>
+            </p:nvSpPr>
+            <p:spPr>
+              <a:xfrm>
+                <a:off x="7912120" y="3708142"/>
+                <a:ext cx="1410788" cy="809897"/>
+              </a:xfrm>
+              <a:prstGeom prst="roundRect">
+                <a:avLst/>
+              </a:prstGeom>
+              <a:blipFill rotWithShape="0">
+                <a:blip r:embed="rId3"/>
+                <a:stretch>
+                  <a:fillRect t="-9630"/>
+                </a:stretch>
+              </a:blipFill>
+            </p:spPr>
+            <p:txBody>
+              <a:bodyPr/>
+              <a:lstStyle/>
+              <a:p>
+                <a:r>
+                  <a:rPr lang="en-US">
+                    <a:noFill/>
+                  </a:rPr>
+                  <a:t> </a:t>
+                </a:r>
+              </a:p>
+            </p:txBody>
+          </p:sp>
+        </mc:Fallback>
+      </mc:AlternateContent>
+      <p:sp>
+        <p:nvSpPr>
+          <p:cNvPr id="14" name="Rounded Rectangle 13"/>
+          <p:cNvSpPr/>
+          <p:nvPr/>
+        </p:nvSpPr>
+        <p:spPr>
+          <a:xfrm>
+            <a:off x="5277772" y="4704705"/>
+            <a:ext cx="1637211" cy="715434"/>
+          </a:xfrm>
+          <a:prstGeom prst="roundRect">
+            <a:avLst/>
+          </a:prstGeom>
+          <a:solidFill>
+            <a:schemeClr val="accent6">
+              <a:lumMod val="20000"/>
+              <a:lumOff val="80000"/>
+            </a:schemeClr>
+          </a:solidFill>
+        </p:spPr>
+        <p:style>
+          <a:lnRef idx="2">
+            <a:schemeClr val="accent1">
+              <a:shade val="50000"/>
+            </a:schemeClr>
+          </a:lnRef>
+          <a:fillRef idx="1">
+            <a:schemeClr val="accent1"/>
+          </a:fillRef>
+          <a:effectRef idx="0">
+            <a:schemeClr val="accent1"/>
+          </a:effectRef>
+          <a:fontRef idx="minor">
+            <a:schemeClr val="lt1"/>
+          </a:fontRef>
+        </p:style>
+        <p:txBody>
+          <a:bodyPr rtlCol="0" anchor="ctr"/>
+          <a:lstStyle/>
+          <a:p>
+            <a:pPr algn="ctr"/>
+            <a:r>
+              <a:rPr lang="en-US" altLang="zh-CN" smtClean="0">
+                <a:solidFill>
+                  <a:schemeClr val="tx1"/>
+                </a:solidFill>
+              </a:rPr>
+              <a:t>Solution</a:t>
+            </a:r>
+            <a:endParaRPr lang="en-US" altLang="zh-CN" dirty="0" smtClean="0">
+              <a:solidFill>
+                <a:schemeClr val="tx1"/>
+              </a:solidFill>
+            </a:endParaRPr>
+          </a:p>
+        </p:txBody>
+      </p:sp>
       <p:cxnSp>
         <p:nvCxnSpPr>
-          <p:cNvPr id="10" name="Straight Arrow Connector 9"/>
+          <p:cNvPr id="3" name="Straight Arrow Connector 2"/>
           <p:cNvCxnSpPr>
             <a:stCxn id="4" idx="3"/>
             <a:endCxn id="5" idx="1"/>
@@ -3393,9 +3581,83 @@
           <p:nvPr/>
         </p:nvCxnSpPr>
         <p:spPr>
+          <a:xfrm>
+            <a:off x="3744307" y="1933300"/>
+            <a:ext cx="1627368" cy="2"/>
+          </a:xfrm>
+          <a:prstGeom prst="straightConnector1">
+            <a:avLst/>
+          </a:prstGeom>
+          <a:ln>
+            <a:headEnd type="triangle"/>
+            <a:tailEnd type="triangle"/>
+          </a:ln>
+        </p:spPr>
+        <p:style>
+          <a:lnRef idx="1">
+            <a:schemeClr val="dk1"/>
+          </a:lnRef>
+          <a:fillRef idx="0">
+            <a:schemeClr val="dk1"/>
+          </a:fillRef>
+          <a:effectRef idx="0">
+            <a:schemeClr val="dk1"/>
+          </a:effectRef>
+          <a:fontRef idx="minor">
+            <a:schemeClr val="tx1"/>
+          </a:fontRef>
+        </p:style>
+      </p:cxnSp>
+      <p:cxnSp>
+        <p:nvCxnSpPr>
+          <p:cNvPr id="15" name="Straight Arrow Connector 14"/>
+          <p:cNvCxnSpPr>
+            <a:stCxn id="5" idx="3"/>
+            <a:endCxn id="6" idx="1"/>
+          </p:cNvCxnSpPr>
+          <p:nvPr/>
+        </p:nvCxnSpPr>
+        <p:spPr>
           <a:xfrm flipV="1">
-            <a:off x="3161211" y="1933302"/>
-            <a:ext cx="792481" cy="1"/>
+            <a:off x="6782463" y="1933301"/>
+            <a:ext cx="1190047" cy="1"/>
+          </a:xfrm>
+          <a:prstGeom prst="straightConnector1">
+            <a:avLst/>
+          </a:prstGeom>
+          <a:ln>
+            <a:headEnd type="triangle"/>
+            <a:tailEnd type="triangle"/>
+          </a:ln>
+        </p:spPr>
+        <p:style>
+          <a:lnRef idx="1">
+            <a:schemeClr val="dk1"/>
+          </a:lnRef>
+          <a:fillRef idx="0">
+            <a:schemeClr val="dk1"/>
+          </a:fillRef>
+          <a:effectRef idx="0">
+            <a:schemeClr val="dk1"/>
+          </a:effectRef>
+          <a:fontRef idx="minor">
+            <a:schemeClr val="tx1"/>
+          </a:fontRef>
+        </p:style>
+      </p:cxnSp>
+      <p:cxnSp>
+        <p:nvCxnSpPr>
+          <p:cNvPr id="17" name="Straight Arrow Connector 16"/>
+          <p:cNvCxnSpPr>
+            <a:stCxn id="11" idx="3"/>
+            <a:endCxn id="14" idx="0"/>
+          </p:cNvCxnSpPr>
+          <p:nvPr/>
+        </p:nvCxnSpPr>
+        <p:spPr>
+          <a:xfrm>
+            <a:off x="4175570" y="4113091"/>
+            <a:ext cx="1920808" cy="591614"/>
           </a:xfrm>
           <a:prstGeom prst="straightConnector1">
             <a:avLst/>
@@ -3421,17 +3683,17 @@
       </p:cxnSp>
       <p:cxnSp>
         <p:nvCxnSpPr>
-          <p:cNvPr id="12" name="Straight Arrow Connector 11"/>
+          <p:cNvPr id="20" name="Straight Arrow Connector 19"/>
           <p:cNvCxnSpPr>
-            <a:stCxn id="5" idx="3"/>
-            <a:endCxn id="6" idx="1"/>
+            <a:stCxn id="13" idx="1"/>
+            <a:endCxn id="14" idx="0"/>
           </p:cNvCxnSpPr>
           <p:nvPr/>
         </p:nvCxnSpPr>
         <p:spPr>
-          <a:xfrm>
-            <a:off x="5364480" y="1933302"/>
-            <a:ext cx="792481" cy="0"/>
+          <a:xfrm flipH="1">
+            <a:off x="6096378" y="4113091"/>
+            <a:ext cx="1815742" cy="591614"/>
           </a:xfrm>
           <a:prstGeom prst="straightConnector1">
             <a:avLst/>
@@ -3457,17 +3719,129 @@
       </p:cxnSp>
       <p:cxnSp>
         <p:nvCxnSpPr>
-          <p:cNvPr id="19" name="Elbow Connector 18"/>
+          <p:cNvPr id="23" name="Straight Arrow Connector 22"/>
           <p:cNvCxnSpPr>
-            <a:stCxn id="8" idx="3"/>
-            <a:endCxn id="7" idx="1"/>
+            <a:stCxn id="7" idx="2"/>
+            <a:endCxn id="14" idx="0"/>
           </p:cNvCxnSpPr>
           <p:nvPr/>
         </p:nvCxnSpPr>
         <p:spPr>
-          <a:xfrm flipV="1">
-            <a:off x="7916092" y="3313611"/>
-            <a:ext cx="731519" cy="1053737"/>
+          <a:xfrm>
+            <a:off x="6077069" y="3926426"/>
+            <a:ext cx="19309" cy="778279"/>
+          </a:xfrm>
+          <a:prstGeom prst="straightConnector1">
+            <a:avLst/>
+          </a:prstGeom>
+          <a:ln>
+            <a:tailEnd type="triangle"/>
+          </a:ln>
+        </p:spPr>
+        <p:style>
+          <a:lnRef idx="1">
+            <a:schemeClr val="dk1"/>
+          </a:lnRef>
+          <a:fillRef idx="0">
+            <a:schemeClr val="dk1"/>
+          </a:fillRef>
+          <a:effectRef idx="0">
+            <a:schemeClr val="dk1"/>
+          </a:effectRef>
+          <a:fontRef idx="minor">
+            <a:schemeClr val="tx1"/>
+          </a:fontRef>
+        </p:style>
+      </p:cxnSp>
+      <p:sp>
+        <p:nvSpPr>
+          <p:cNvPr id="24" name="TextBox 23"/>
+          <p:cNvSpPr txBox="1"/>
+          <p:nvPr/>
+        </p:nvSpPr>
+        <p:spPr>
+          <a:xfrm>
+            <a:off x="3496174" y="1149941"/>
+            <a:ext cx="2058320" cy="646331"/>
+          </a:xfrm>
+          <a:prstGeom prst="rect">
+            <a:avLst/>
+          </a:prstGeom>
+          <a:noFill/>
+        </p:spPr>
+        <p:txBody>
+          <a:bodyPr wrap="none" rtlCol="0">
+            <a:spAutoFit/>
+          </a:bodyPr>
+          <a:lstStyle/>
+          <a:p>
+            <a:pPr algn="ctr"/>
+            <a:r>
+              <a:rPr lang="en-US" dirty="0" smtClean="0"/>
+              <a:t>Strain-displacement</a:t>
+            </a:r>
+          </a:p>
+          <a:p>
+            <a:pPr algn="ctr"/>
+            <a:r>
+              <a:rPr lang="en-US" dirty="0" smtClean="0"/>
+              <a:t>relation</a:t>
+            </a:r>
+            <a:endParaRPr lang="en-US" dirty="0"/>
+          </a:p>
+        </p:txBody>
+      </p:sp>
+      <p:sp>
+        <p:nvSpPr>
+          <p:cNvPr id="25" name="TextBox 24"/>
+          <p:cNvSpPr txBox="1"/>
+          <p:nvPr/>
+        </p:nvSpPr>
+        <p:spPr>
+          <a:xfrm>
+            <a:off x="6709963" y="1184844"/>
+            <a:ext cx="1335045" cy="646331"/>
+          </a:xfrm>
+          <a:prstGeom prst="rect">
+            <a:avLst/>
+          </a:prstGeom>
+          <a:noFill/>
+        </p:spPr>
+        <p:txBody>
+          <a:bodyPr wrap="none" rtlCol="0">
+            <a:spAutoFit/>
+          </a:bodyPr>
+          <a:lstStyle/>
+          <a:p>
+            <a:pPr algn="ctr"/>
+            <a:r>
+              <a:rPr lang="en-US" dirty="0" smtClean="0"/>
+              <a:t>Stress-strain</a:t>
+            </a:r>
+          </a:p>
+          <a:p>
+            <a:pPr algn="ctr"/>
+            <a:r>
+              <a:rPr lang="en-US" dirty="0" smtClean="0"/>
+              <a:t>relation</a:t>
+            </a:r>
+            <a:endParaRPr lang="en-US" dirty="0"/>
+          </a:p>
+        </p:txBody>
+      </p:sp>
+      <p:cxnSp>
+        <p:nvCxnSpPr>
+          <p:cNvPr id="27" name="Elbow Connector 26"/>
+          <p:cNvCxnSpPr>
+            <a:stCxn id="4" idx="2"/>
+            <a:endCxn id="7" idx="0"/>
+          </p:cNvCxnSpPr>
+          <p:nvPr/>
+        </p:nvCxnSpPr>
+        <p:spPr>
+          <a:xfrm rot="16200000" flipH="1">
+            <a:off x="4136194" y="1175653"/>
+            <a:ext cx="778281" cy="3103470"/>
           </a:xfrm>
           <a:prstGeom prst="bentConnector3">
             <a:avLst/>
@@ -3491,38 +3865,36 @@
           </a:fontRef>
         </p:style>
       </p:cxnSp>
-      <p:cxnSp>
-        <p:nvCxnSpPr>
-          <p:cNvPr id="22" name="Elbow Connector 21"/>
-          <p:cNvCxnSpPr>
-            <a:stCxn id="6" idx="3"/>
-          </p:cNvCxnSpPr>
+      <p:sp>
+        <p:nvSpPr>
+          <p:cNvPr id="28" name="TextBox 27"/>
+          <p:cNvSpPr txBox="1"/>
           <p:nvPr/>
-        </p:nvCxnSpPr>
+        </p:nvSpPr>
         <p:spPr>
           <a:xfrm>
-            <a:off x="7567749" y="1933302"/>
-            <a:ext cx="731520" cy="1380308"/>
+            <a:off x="3912942" y="2406157"/>
+            <a:ext cx="1458733" cy="369332"/>
           </a:xfrm>
-          <a:prstGeom prst="bentConnector2">
+          <a:prstGeom prst="rect">
             <a:avLst/>
           </a:prstGeom>
+          <a:noFill/>
         </p:spPr>
-        <p:style>
-          <a:lnRef idx="1">
-            <a:schemeClr val="dk1"/>
-          </a:lnRef>
-          <a:fillRef idx="0">
-            <a:schemeClr val="dk1"/>
-          </a:fillRef>
-          <a:effectRef idx="0">
-            <a:schemeClr val="dk1"/>
-          </a:effectRef>
-          <a:fontRef idx="minor">
-            <a:schemeClr val="tx1"/>
-          </a:fontRef>
-        </p:style>
-      </p:cxnSp>
+        <p:txBody>
+          <a:bodyPr wrap="none" rtlCol="0">
+            <a:spAutoFit/>
+          </a:bodyPr>
+          <a:lstStyle/>
+          <a:p>
+            <a:r>
+              <a:rPr lang="en-US" smtClean="0"/>
+              <a:t>Discretization</a:t>
+            </a:r>
+            <a:endParaRPr lang="en-US"/>
+          </a:p>
+        </p:txBody>
+      </p:sp>
     </p:spTree>
     <p:extLst>
       <p:ext uri="{BB962C8B-B14F-4D97-AF65-F5344CB8AC3E}">
